--- a/WriteUp/Formalism/FrameworkPresentation.pptx
+++ b/WriteUp/Formalism/FrameworkPresentation.pptx
@@ -5,7 +5,7 @@
     <p:sldMasterId id="2147483648" r:id="rId1"/>
   </p:sldMasterIdLst>
   <p:notesMasterIdLst>
-    <p:notesMasterId r:id="rId12"/>
+    <p:notesMasterId r:id="rId13"/>
   </p:notesMasterIdLst>
   <p:sldIdLst>
     <p:sldId id="264" r:id="rId2"/>
@@ -18,6 +18,7 @@
     <p:sldId id="263" r:id="rId9"/>
     <p:sldId id="262" r:id="rId10"/>
     <p:sldId id="267" r:id="rId11"/>
+    <p:sldId id="268" r:id="rId12"/>
   </p:sldIdLst>
   <p:sldSz cx="9144000" cy="6858000" type="screen4x3"/>
   <p:notesSz cx="6858000" cy="9144000"/>
@@ -192,8 +193,8 @@
             <c:trendlineLbl>
               <c:layout>
                 <c:manualLayout>
-                  <c:x val="-0.0513391064476142"/>
-                  <c:y val="0.0107910872843022"/>
+                  <c:x val="0.0976962428307572"/>
+                  <c:y val="-0.0418713100394325"/>
                 </c:manualLayout>
               </c:layout>
               <c:numFmt formatCode="General" sourceLinked="0"/>
@@ -350,8 +351,8 @@
             <c:trendlineLbl>
               <c:layout>
                 <c:manualLayout>
-                  <c:x val="0.0523864727552071"/>
-                  <c:y val="-0.0847509912324789"/>
+                  <c:x val="0.0665347039953339"/>
+                  <c:y val="-0.0602055297403006"/>
                 </c:manualLayout>
               </c:layout>
               <c:numFmt formatCode="General" sourceLinked="0"/>
@@ -501,11 +502,11 @@
           <c:showPercent val="0"/>
           <c:showBubbleSize val="0"/>
         </c:dLbls>
-        <c:axId val="-2106009736"/>
-        <c:axId val="2140799864"/>
+        <c:axId val="2113597160"/>
+        <c:axId val="2113643048"/>
       </c:scatterChart>
       <c:valAx>
-        <c:axId val="-2106009736"/>
+        <c:axId val="2113597160"/>
         <c:scaling>
           <c:orientation val="minMax"/>
           <c:min val="0.0"/>
@@ -544,12 +545,12 @@
         <c:majorTickMark val="out"/>
         <c:minorTickMark val="none"/>
         <c:tickLblPos val="nextTo"/>
-        <c:crossAx val="2140799864"/>
+        <c:crossAx val="2113643048"/>
         <c:crosses val="autoZero"/>
         <c:crossBetween val="midCat"/>
       </c:valAx>
       <c:valAx>
-        <c:axId val="2140799864"/>
+        <c:axId val="2113643048"/>
         <c:scaling>
           <c:orientation val="minMax"/>
           <c:max val="9.0E6"/>
@@ -590,7 +591,7 @@
         <c:majorTickMark val="out"/>
         <c:minorTickMark val="none"/>
         <c:tickLblPos val="nextTo"/>
-        <c:crossAx val="-2106009736"/>
+        <c:crossAx val="2113597160"/>
         <c:crosses val="autoZero"/>
         <c:crossBetween val="midCat"/>
       </c:valAx>
@@ -718,11 +719,11 @@
           <c:showBubbleSize val="0"/>
         </c:dLbls>
         <c:gapWidth val="150"/>
-        <c:axId val="-2085300328"/>
-        <c:axId val="-2085297384"/>
+        <c:axId val="-2104852968"/>
+        <c:axId val="-2104850024"/>
       </c:barChart>
       <c:catAx>
-        <c:axId val="-2085300328"/>
+        <c:axId val="-2104852968"/>
         <c:scaling>
           <c:orientation val="minMax"/>
         </c:scaling>
@@ -731,7 +732,7 @@
         <c:majorTickMark val="none"/>
         <c:minorTickMark val="none"/>
         <c:tickLblPos val="nextTo"/>
-        <c:crossAx val="-2085297384"/>
+        <c:crossAx val="-2104850024"/>
         <c:crosses val="autoZero"/>
         <c:auto val="1"/>
         <c:lblAlgn val="ctr"/>
@@ -739,7 +740,7 @@
         <c:noMultiLvlLbl val="0"/>
       </c:catAx>
       <c:valAx>
-        <c:axId val="-2085297384"/>
+        <c:axId val="-2104850024"/>
         <c:scaling>
           <c:orientation val="minMax"/>
         </c:scaling>
@@ -769,7 +770,7 @@
         <c:majorTickMark val="out"/>
         <c:minorTickMark val="none"/>
         <c:tickLblPos val="nextTo"/>
-        <c:crossAx val="-2085300328"/>
+        <c:crossAx val="-2104852968"/>
         <c:crosses val="autoZero"/>
         <c:crossBetween val="between"/>
       </c:valAx>
@@ -899,11 +900,11 @@
           <c:showBubbleSize val="0"/>
         </c:dLbls>
         <c:gapWidth val="150"/>
-        <c:axId val="-2084069704"/>
-        <c:axId val="-2107559656"/>
+        <c:axId val="2113150152"/>
+        <c:axId val="2113153096"/>
       </c:barChart>
       <c:catAx>
-        <c:axId val="-2084069704"/>
+        <c:axId val="2113150152"/>
         <c:scaling>
           <c:orientation val="minMax"/>
         </c:scaling>
@@ -912,7 +913,7 @@
         <c:majorTickMark val="out"/>
         <c:minorTickMark val="none"/>
         <c:tickLblPos val="nextTo"/>
-        <c:crossAx val="-2107559656"/>
+        <c:crossAx val="2113153096"/>
         <c:crosses val="autoZero"/>
         <c:auto val="1"/>
         <c:lblAlgn val="ctr"/>
@@ -920,7 +921,7 @@
         <c:noMultiLvlLbl val="0"/>
       </c:catAx>
       <c:valAx>
-        <c:axId val="-2107559656"/>
+        <c:axId val="2113153096"/>
         <c:scaling>
           <c:orientation val="minMax"/>
         </c:scaling>
@@ -931,7 +932,7 @@
         <c:majorTickMark val="out"/>
         <c:minorTickMark val="none"/>
         <c:tickLblPos val="nextTo"/>
-        <c:crossAx val="-2084069704"/>
+        <c:crossAx val="2113150152"/>
         <c:crosses val="autoZero"/>
         <c:crossBetween val="between"/>
       </c:valAx>
@@ -1028,7 +1029,7 @@
           <a:p>
             <a:fld id="{DCE3DBED-4756-8147-BFCD-F309E55AD08D}" type="datetimeFigureOut">
               <a:rPr lang="en-US" smtClean="0"/>
-              <a:t>4/25/17</a:t>
+              <a:t>4/26/17</a:t>
             </a:fld>
             <a:endParaRPr lang="en-US"/>
           </a:p>
@@ -1477,7 +1478,7 @@
           <a:p>
             <a:fld id="{752F7026-CF7C-204A-B8B9-D55FFE0E76E7}" type="datetimeFigureOut">
               <a:rPr lang="en-US" smtClean="0"/>
-              <a:t>4/25/17</a:t>
+              <a:t>4/26/17</a:t>
             </a:fld>
             <a:endParaRPr lang="en-US"/>
           </a:p>
@@ -1647,7 +1648,7 @@
           <a:p>
             <a:fld id="{752F7026-CF7C-204A-B8B9-D55FFE0E76E7}" type="datetimeFigureOut">
               <a:rPr lang="en-US" smtClean="0"/>
-              <a:t>4/25/17</a:t>
+              <a:t>4/26/17</a:t>
             </a:fld>
             <a:endParaRPr lang="en-US"/>
           </a:p>
@@ -1827,7 +1828,7 @@
           <a:p>
             <a:fld id="{752F7026-CF7C-204A-B8B9-D55FFE0E76E7}" type="datetimeFigureOut">
               <a:rPr lang="en-US" smtClean="0"/>
-              <a:t>4/25/17</a:t>
+              <a:t>4/26/17</a:t>
             </a:fld>
             <a:endParaRPr lang="en-US"/>
           </a:p>
@@ -1997,7 +1998,7 @@
           <a:p>
             <a:fld id="{752F7026-CF7C-204A-B8B9-D55FFE0E76E7}" type="datetimeFigureOut">
               <a:rPr lang="en-US" smtClean="0"/>
-              <a:t>4/25/17</a:t>
+              <a:t>4/26/17</a:t>
             </a:fld>
             <a:endParaRPr lang="en-US"/>
           </a:p>
@@ -2243,7 +2244,7 @@
           <a:p>
             <a:fld id="{752F7026-CF7C-204A-B8B9-D55FFE0E76E7}" type="datetimeFigureOut">
               <a:rPr lang="en-US" smtClean="0"/>
-              <a:t>4/25/17</a:t>
+              <a:t>4/26/17</a:t>
             </a:fld>
             <a:endParaRPr lang="en-US"/>
           </a:p>
@@ -2531,7 +2532,7 @@
           <a:p>
             <a:fld id="{752F7026-CF7C-204A-B8B9-D55FFE0E76E7}" type="datetimeFigureOut">
               <a:rPr lang="en-US" smtClean="0"/>
-              <a:t>4/25/17</a:t>
+              <a:t>4/26/17</a:t>
             </a:fld>
             <a:endParaRPr lang="en-US"/>
           </a:p>
@@ -2953,7 +2954,7 @@
           <a:p>
             <a:fld id="{752F7026-CF7C-204A-B8B9-D55FFE0E76E7}" type="datetimeFigureOut">
               <a:rPr lang="en-US" smtClean="0"/>
-              <a:t>4/25/17</a:t>
+              <a:t>4/26/17</a:t>
             </a:fld>
             <a:endParaRPr lang="en-US"/>
           </a:p>
@@ -3071,7 +3072,7 @@
           <a:p>
             <a:fld id="{752F7026-CF7C-204A-B8B9-D55FFE0E76E7}" type="datetimeFigureOut">
               <a:rPr lang="en-US" smtClean="0"/>
-              <a:t>4/25/17</a:t>
+              <a:t>4/26/17</a:t>
             </a:fld>
             <a:endParaRPr lang="en-US"/>
           </a:p>
@@ -3166,7 +3167,7 @@
           <a:p>
             <a:fld id="{752F7026-CF7C-204A-B8B9-D55FFE0E76E7}" type="datetimeFigureOut">
               <a:rPr lang="en-US" smtClean="0"/>
-              <a:t>4/25/17</a:t>
+              <a:t>4/26/17</a:t>
             </a:fld>
             <a:endParaRPr lang="en-US"/>
           </a:p>
@@ -3443,7 +3444,7 @@
           <a:p>
             <a:fld id="{752F7026-CF7C-204A-B8B9-D55FFE0E76E7}" type="datetimeFigureOut">
               <a:rPr lang="en-US" smtClean="0"/>
-              <a:t>4/25/17</a:t>
+              <a:t>4/26/17</a:t>
             </a:fld>
             <a:endParaRPr lang="en-US"/>
           </a:p>
@@ -3696,7 +3697,7 @@
           <a:p>
             <a:fld id="{752F7026-CF7C-204A-B8B9-D55FFE0E76E7}" type="datetimeFigureOut">
               <a:rPr lang="en-US" smtClean="0"/>
-              <a:t>4/25/17</a:t>
+              <a:t>4/26/17</a:t>
             </a:fld>
             <a:endParaRPr lang="en-US"/>
           </a:p>
@@ -3909,7 +3910,7 @@
           <a:p>
             <a:fld id="{752F7026-CF7C-204A-B8B9-D55FFE0E76E7}" type="datetimeFigureOut">
               <a:rPr lang="en-US" smtClean="0"/>
-              <a:t>4/25/17</a:t>
+              <a:t>4/26/17</a:t>
             </a:fld>
             <a:endParaRPr lang="en-US"/>
           </a:p>
@@ -4363,6 +4364,11 @@
           </p:cNvGraphicFramePr>
           <p:nvPr>
             <p:ph idx="1"/>
+            <p:extLst>
+              <p:ext uri="{D42A27DB-BD31-4B8C-83A1-F6EECF244321}">
+                <p14:modId xmlns:p14="http://schemas.microsoft.com/office/powerpoint/2010/main" val="168941656"/>
+              </p:ext>
+            </p:extLst>
           </p:nvPr>
         </p:nvGraphicFramePr>
         <p:xfrm>
@@ -4375,6 +4381,40 @@
           </a:graphicData>
         </a:graphic>
       </p:graphicFrame>
+      <p:cxnSp>
+        <p:nvCxnSpPr>
+          <p:cNvPr id="4" name="Straight Connector 3"/>
+          <p:cNvCxnSpPr/>
+          <p:nvPr/>
+        </p:nvCxnSpPr>
+        <p:spPr>
+          <a:xfrm flipV="1">
+            <a:off x="1555750" y="2180167"/>
+            <a:ext cx="5640917" cy="3206750"/>
+          </a:xfrm>
+          <a:prstGeom prst="line">
+            <a:avLst/>
+          </a:prstGeom>
+          <a:ln>
+            <a:prstDash val="lgDash"/>
+          </a:ln>
+          <a:effectLst/>
+        </p:spPr>
+        <p:style>
+          <a:lnRef idx="1">
+            <a:schemeClr val="dk1"/>
+          </a:lnRef>
+          <a:fillRef idx="0">
+            <a:schemeClr val="dk1"/>
+          </a:fillRef>
+          <a:effectRef idx="0">
+            <a:schemeClr val="dk1"/>
+          </a:effectRef>
+          <a:fontRef idx="minor">
+            <a:schemeClr val="tx1"/>
+          </a:fontRef>
+        </p:style>
+      </p:cxnSp>
     </p:spTree>
     <p:extLst>
       <p:ext uri="{BB962C8B-B14F-4D97-AF65-F5344CB8AC3E}">
@@ -4450,7 +4490,7 @@
         <p:spPr/>
         <p:txBody>
           <a:bodyPr>
-            <a:normAutofit fontScale="92500" lnSpcReduction="20000"/>
+            <a:normAutofit fontScale="85000" lnSpcReduction="20000"/>
           </a:bodyPr>
           <a:lstStyle/>
           <a:p>
@@ -4477,7 +4517,17 @@
             <a:pPr lvl="1"/>
             <a:r>
               <a:rPr lang="en-US" dirty="0" smtClean="0"/>
-              <a:t>Full generality could be complex to incorporate, but is necessary as only ~25% of parallelism on average is contained in highest level</a:t>
+              <a:t>Full generality could be complex to incorporate, but is necessary as only ~25% of parallelism on average is contained in highest </a:t>
+            </a:r>
+            <a:r>
+              <a:rPr lang="en-US" dirty="0" smtClean="0"/>
+              <a:t>level</a:t>
+            </a:r>
+          </a:p>
+          <a:p>
+            <a:r>
+              <a:rPr lang="en-US" dirty="0" smtClean="0"/>
+              <a:t>Module Reconstruction also suffers from hierarchy weakness</a:t>
             </a:r>
             <a:endParaRPr lang="en-US" dirty="0"/>
           </a:p>
@@ -4508,10 +4558,329 @@
           </a:graphicData>
         </a:graphic>
       </p:graphicFrame>
+      <p:sp>
+        <p:nvSpPr>
+          <p:cNvPr id="3" name="TextBox 2"/>
+          <p:cNvSpPr txBox="1"/>
+          <p:nvPr/>
+        </p:nvSpPr>
+        <p:spPr>
+          <a:xfrm>
+            <a:off x="4762500" y="6052080"/>
+            <a:ext cx="4381500" cy="646331"/>
+          </a:xfrm>
+          <a:prstGeom prst="rect">
+            <a:avLst/>
+          </a:prstGeom>
+          <a:noFill/>
+        </p:spPr>
+        <p:txBody>
+          <a:bodyPr wrap="square" rtlCol="0">
+            <a:spAutoFit/>
+          </a:bodyPr>
+          <a:lstStyle/>
+          <a:p>
+            <a:r>
+              <a:rPr lang="en-US" dirty="0" smtClean="0"/>
+              <a:t>Flattening leaves and top level functions results in 26% of parallelism on average</a:t>
+            </a:r>
+            <a:endParaRPr lang="en-US" dirty="0"/>
+          </a:p>
+        </p:txBody>
+      </p:sp>
     </p:spTree>
     <p:extLst>
       <p:ext uri="{BB962C8B-B14F-4D97-AF65-F5344CB8AC3E}">
         <p14:creationId xmlns:p14="http://schemas.microsoft.com/office/powerpoint/2010/main" val="725136723"/>
+      </p:ext>
+    </p:extLst>
+  </p:cSld>
+  <p:clrMapOvr>
+    <a:masterClrMapping/>
+  </p:clrMapOvr>
+</p:sld>
+</file>
+
+<file path=ppt/slides/slide11.xml><?xml version="1.0" encoding="utf-8"?>
+<p:sld xmlns:a="http://schemas.openxmlformats.org/drawingml/2006/main" xmlns:r="http://schemas.openxmlformats.org/officeDocument/2006/relationships" xmlns:p="http://schemas.openxmlformats.org/presentationml/2006/main">
+  <p:cSld>
+    <p:spTree>
+      <p:nvGrpSpPr>
+        <p:cNvPr id="1" name=""/>
+        <p:cNvGrpSpPr/>
+        <p:nvPr/>
+      </p:nvGrpSpPr>
+      <p:grpSpPr>
+        <a:xfrm>
+          <a:off x="0" y="0"/>
+          <a:ext cx="0" cy="0"/>
+          <a:chOff x="0" y="0"/>
+          <a:chExt cx="0" cy="0"/>
+        </a:xfrm>
+      </p:grpSpPr>
+      <p:sp>
+        <p:nvSpPr>
+          <p:cNvPr id="5" name="Title 4"/>
+          <p:cNvSpPr>
+            <a:spLocks noGrp="1"/>
+          </p:cNvSpPr>
+          <p:nvPr>
+            <p:ph type="title"/>
+          </p:nvPr>
+        </p:nvSpPr>
+        <p:spPr/>
+        <p:txBody>
+          <a:bodyPr>
+            <a:normAutofit fontScale="90000"/>
+          </a:bodyPr>
+          <a:lstStyle/>
+          <a:p>
+            <a:r>
+              <a:rPr lang="en-US" dirty="0" smtClean="0"/>
+              <a:t>Reduction: Knapsack to Partial </a:t>
+            </a:r>
+            <a:r>
+              <a:rPr lang="en-US" dirty="0" err="1" smtClean="0"/>
+              <a:t>Inlining</a:t>
+            </a:r>
+            <a:endParaRPr lang="en-US" dirty="0"/>
+          </a:p>
+        </p:txBody>
+      </p:sp>
+      <p:sp>
+        <p:nvSpPr>
+          <p:cNvPr id="6" name="Content Placeholder 5"/>
+          <p:cNvSpPr>
+            <a:spLocks noGrp="1"/>
+          </p:cNvSpPr>
+          <p:nvPr>
+            <p:ph idx="1"/>
+          </p:nvPr>
+        </p:nvSpPr>
+        <p:spPr/>
+        <p:txBody>
+          <a:bodyPr>
+            <a:normAutofit fontScale="92500" lnSpcReduction="20000"/>
+          </a:bodyPr>
+          <a:lstStyle/>
+          <a:p>
+            <a:r>
+              <a:rPr lang="en-US" dirty="0" smtClean="0"/>
+              <a:t>Let </a:t>
+            </a:r>
+            <a:r>
+              <a:rPr lang="en-US" b="1" dirty="0" smtClean="0"/>
+              <a:t>I</a:t>
+            </a:r>
+            <a:r>
+              <a:rPr lang="en-US" baseline="-25000" dirty="0" smtClean="0"/>
+              <a:t>i</a:t>
+            </a:r>
+            <a:r>
+              <a:rPr lang="en-US" dirty="0" smtClean="0"/>
+              <a:t>(α</a:t>
+            </a:r>
+            <a:r>
+              <a:rPr lang="en-US" baseline="-25000" dirty="0" smtClean="0"/>
+              <a:t>j</a:t>
+            </a:r>
+            <a:r>
+              <a:rPr lang="en-US" dirty="0" smtClean="0"/>
+              <a:t>) denote the </a:t>
+            </a:r>
+            <a:r>
+              <a:rPr lang="en-US" dirty="0" err="1" smtClean="0"/>
+              <a:t>inlining</a:t>
+            </a:r>
+            <a:r>
+              <a:rPr lang="en-US" dirty="0" smtClean="0"/>
+              <a:t> choice </a:t>
+            </a:r>
+            <a:r>
+              <a:rPr lang="en-US" dirty="0" err="1" smtClean="0"/>
+              <a:t>i</a:t>
+            </a:r>
+            <a:r>
+              <a:rPr lang="en-US" dirty="0" smtClean="0"/>
+              <a:t> for function call α</a:t>
+            </a:r>
+            <a:r>
+              <a:rPr lang="en-US" baseline="-25000" dirty="0" smtClean="0"/>
+              <a:t>j</a:t>
+            </a:r>
+            <a:endParaRPr lang="en-US" dirty="0" smtClean="0"/>
+          </a:p>
+          <a:p>
+            <a:pPr lvl="1"/>
+            <a:r>
+              <a:rPr lang="en-US" dirty="0"/>
+              <a:t>p</a:t>
+            </a:r>
+            <a:r>
+              <a:rPr lang="en-US" dirty="0" smtClean="0"/>
+              <a:t>(I</a:t>
+            </a:r>
+            <a:r>
+              <a:rPr lang="en-US" baseline="-25000" dirty="0" smtClean="0"/>
+              <a:t>i</a:t>
+            </a:r>
+            <a:r>
+              <a:rPr lang="en-US" dirty="0"/>
+              <a:t>(α</a:t>
+            </a:r>
+            <a:r>
+              <a:rPr lang="en-US" baseline="-25000" dirty="0"/>
+              <a:t>j</a:t>
+            </a:r>
+            <a:r>
+              <a:rPr lang="en-US" dirty="0" smtClean="0"/>
+              <a:t>)) = parallelism gained from this choice</a:t>
+            </a:r>
+          </a:p>
+          <a:p>
+            <a:pPr lvl="1"/>
+            <a:r>
+              <a:rPr lang="en-US" dirty="0" smtClean="0"/>
+              <a:t>c(</a:t>
+            </a:r>
+            <a:r>
+              <a:rPr lang="en-US" dirty="0"/>
+              <a:t>I</a:t>
+            </a:r>
+            <a:r>
+              <a:rPr lang="en-US" baseline="-25000" dirty="0"/>
+              <a:t>i</a:t>
+            </a:r>
+            <a:r>
+              <a:rPr lang="en-US" dirty="0"/>
+              <a:t>(α</a:t>
+            </a:r>
+            <a:r>
+              <a:rPr lang="en-US" baseline="-25000" dirty="0"/>
+              <a:t>j</a:t>
+            </a:r>
+            <a:r>
+              <a:rPr lang="en-US" dirty="0"/>
+              <a:t>)) = </a:t>
+            </a:r>
+            <a:r>
+              <a:rPr lang="en-US" dirty="0" smtClean="0"/>
+              <a:t>code size increase from </a:t>
+            </a:r>
+            <a:r>
+              <a:rPr lang="en-US" dirty="0"/>
+              <a:t>this </a:t>
+            </a:r>
+            <a:r>
+              <a:rPr lang="en-US" dirty="0" smtClean="0"/>
+              <a:t>choice</a:t>
+            </a:r>
+          </a:p>
+          <a:p>
+            <a:r>
+              <a:rPr lang="en-US" dirty="0" smtClean="0"/>
+              <a:t>Let </a:t>
+            </a:r>
+            <a:r>
+              <a:rPr lang="en-US" b="1" i="1" dirty="0" smtClean="0"/>
+              <a:t>A = </a:t>
+            </a:r>
+            <a:r>
+              <a:rPr lang="en-US" b="1" dirty="0" smtClean="0"/>
+              <a:t>{</a:t>
+            </a:r>
+            <a:r>
+              <a:rPr lang="en-US" dirty="0" smtClean="0"/>
+              <a:t>set of sets of all </a:t>
+            </a:r>
+            <a:r>
+              <a:rPr lang="en-US" dirty="0" err="1" smtClean="0"/>
+              <a:t>inlining</a:t>
+            </a:r>
+            <a:r>
+              <a:rPr lang="en-US" dirty="0" smtClean="0"/>
+              <a:t> choices for 				    function calls α</a:t>
+            </a:r>
+            <a:r>
+              <a:rPr lang="en-US" baseline="-25000" dirty="0" err="1" smtClean="0"/>
+              <a:t>i</a:t>
+            </a:r>
+            <a:r>
+              <a:rPr lang="en-US" baseline="-25000" dirty="0" smtClean="0"/>
+              <a:t> </a:t>
+            </a:r>
+            <a:r>
+              <a:rPr lang="en-US" b="1" dirty="0" smtClean="0"/>
+              <a:t>}</a:t>
+            </a:r>
+          </a:p>
+          <a:p>
+            <a:r>
+              <a:rPr lang="en-US" dirty="0" smtClean="0"/>
+              <a:t>Given maximum program size </a:t>
+            </a:r>
+            <a:r>
+              <a:rPr lang="en-US" b="1" dirty="0" smtClean="0"/>
+              <a:t>k</a:t>
+            </a:r>
+            <a:r>
+              <a:rPr lang="en-US" dirty="0" smtClean="0"/>
+              <a:t>, is there a choice of one element from each set contained in </a:t>
+            </a:r>
+            <a:r>
+              <a:rPr lang="en-US" b="1" i="1" dirty="0" smtClean="0"/>
+              <a:t>A</a:t>
+            </a:r>
+            <a:r>
+              <a:rPr lang="en-US" dirty="0" smtClean="0"/>
+              <a:t> that maximizes parallelism while total code size bounded by </a:t>
+            </a:r>
+            <a:r>
+              <a:rPr lang="en-US" b="1" dirty="0" smtClean="0"/>
+              <a:t>k</a:t>
+            </a:r>
+            <a:r>
+              <a:rPr lang="en-US" dirty="0" smtClean="0"/>
+              <a:t>?</a:t>
+            </a:r>
+          </a:p>
+          <a:p>
+            <a:r>
+              <a:rPr lang="en-US" dirty="0" smtClean="0"/>
+              <a:t>Polynomial in </a:t>
+            </a:r>
+            <a:r>
+              <a:rPr lang="en-US" b="1" dirty="0" smtClean="0"/>
+              <a:t>n</a:t>
+            </a:r>
+            <a:r>
+              <a:rPr lang="en-US" dirty="0"/>
+              <a:t> </a:t>
+            </a:r>
+            <a:r>
+              <a:rPr lang="en-US" dirty="0" smtClean="0"/>
+              <a:t>= ∏</a:t>
+            </a:r>
+            <a:r>
+              <a:rPr lang="en-US" baseline="-25000" dirty="0" smtClean="0"/>
+              <a:t>α 𝜖 P </a:t>
+            </a:r>
+            <a:r>
+              <a:rPr lang="en-US" dirty="0" smtClean="0"/>
+              <a:t>|α|</a:t>
+            </a:r>
+            <a:r>
+              <a:rPr lang="en-US" baseline="30000" dirty="0" smtClean="0"/>
+              <a:t>2</a:t>
+            </a:r>
+            <a:endParaRPr lang="en-US" baseline="-25000" dirty="0"/>
+          </a:p>
+        </p:txBody>
+      </p:sp>
+    </p:spTree>
+    <p:extLst>
+      <p:ext uri="{BB962C8B-B14F-4D97-AF65-F5344CB8AC3E}">
+        <p14:creationId xmlns:p14="http://schemas.microsoft.com/office/powerpoint/2010/main" val="1201442989"/>
       </p:ext>
     </p:extLst>
   </p:cSld>
@@ -4574,7 +4943,7 @@
         <p:spPr/>
         <p:txBody>
           <a:bodyPr>
-            <a:normAutofit fontScale="92500" lnSpcReduction="10000"/>
+            <a:normAutofit fontScale="92500" lnSpcReduction="20000"/>
           </a:bodyPr>
           <a:lstStyle/>
           <a:p>
@@ -4601,22 +4970,20 @@
             <a:pPr lvl="1"/>
             <a:r>
               <a:rPr lang="en-US" dirty="0" smtClean="0"/>
-              <a:t>Most frequently called function</a:t>
+              <a:t>Most frequently called </a:t>
+            </a:r>
+            <a:r>
+              <a:rPr lang="en-US" dirty="0" smtClean="0"/>
+              <a:t>function</a:t>
             </a:r>
           </a:p>
           <a:p>
             <a:pPr lvl="1"/>
             <a:r>
               <a:rPr lang="en-US" dirty="0" smtClean="0"/>
-              <a:t>Comprised of 4 lines</a:t>
-            </a:r>
-          </a:p>
-          <a:p>
-            <a:pPr lvl="2"/>
-            <a:r>
-              <a:rPr lang="en-US" dirty="0" smtClean="0"/>
-              <a:t>Effective SWAP</a:t>
-            </a:r>
+              <a:t>Small leaf function</a:t>
+            </a:r>
+            <a:endParaRPr lang="en-US" dirty="0" smtClean="0"/>
           </a:p>
           <a:p>
             <a:r>
@@ -4633,6 +5000,7 @@
             </a:r>
           </a:p>
           <a:p>
+            <a:pPr lvl="1"/>
             <a:r>
               <a:rPr lang="en-US" dirty="0" smtClean="0"/>
               <a:t>Nearly 2 lines </a:t>
@@ -4643,7 +5011,21 @@
             </a:r>
             <a:r>
               <a:rPr lang="en-US" dirty="0" smtClean="0"/>
-              <a:t> for each line parallelized</a:t>
+              <a:t> for each line </a:t>
+            </a:r>
+            <a:r>
+              <a:rPr lang="en-US" dirty="0" smtClean="0"/>
+              <a:t>parallelized</a:t>
+            </a:r>
+          </a:p>
+          <a:p>
+            <a:r>
+              <a:rPr lang="en-US" dirty="0" smtClean="0"/>
+              <a:t>Trend continues as more functions are </a:t>
+            </a:r>
+            <a:r>
+              <a:rPr lang="en-US" dirty="0" err="1" smtClean="0"/>
+              <a:t>inlined</a:t>
             </a:r>
             <a:endParaRPr lang="en-US" dirty="0"/>
           </a:p>
@@ -4756,23 +5138,15 @@
           </a:p>
           <a:p>
             <a:r>
-              <a:rPr lang="en-US" dirty="0" smtClean="0"/>
-              <a:t>Tractable complexity</a:t>
+              <a:rPr lang="en-US" dirty="0"/>
+              <a:t>Can optimally schedule all function call instances of all functions within a program</a:t>
             </a:r>
           </a:p>
           <a:p>
             <a:pPr lvl="1"/>
             <a:r>
-              <a:rPr lang="en-US" dirty="0" smtClean="0"/>
-              <a:t>Can show O(n</a:t>
-            </a:r>
-            <a:r>
-              <a:rPr lang="en-US" baseline="30000" dirty="0" smtClean="0"/>
-              <a:t>3</a:t>
-            </a:r>
-            <a:r>
-              <a:rPr lang="en-US" dirty="0" smtClean="0"/>
-              <a:t>) for input program size (fully flattened) of n</a:t>
+              <a:rPr lang="en-US" dirty="0"/>
+              <a:t>Can be shown that order of applying algorithm on functions does not affect optimality</a:t>
             </a:r>
           </a:p>
           <a:p>
@@ -4803,15 +5177,93 @@
           <a:p>
             <a:r>
               <a:rPr lang="en-US" dirty="0" smtClean="0"/>
-              <a:t>Can optimally schedule all function call instances of all functions within a program</a:t>
+              <a:t>Tractable complexity</a:t>
             </a:r>
           </a:p>
           <a:p>
             <a:pPr lvl="1"/>
             <a:r>
               <a:rPr lang="en-US" dirty="0" smtClean="0"/>
-              <a:t>Can be shown that order of applying algorithm on functions does not affect optimality</a:t>
-            </a:r>
+              <a:t>Applying procedure to all functions within an input program, can </a:t>
+            </a:r>
+            <a:r>
+              <a:rPr lang="en-US" dirty="0"/>
+              <a:t>show O(</a:t>
+            </a:r>
+            <a:r>
+              <a:rPr lang="en-US" b="1" dirty="0"/>
+              <a:t>n</a:t>
+            </a:r>
+            <a:r>
+              <a:rPr lang="en-US" baseline="30000" dirty="0"/>
+              <a:t>3</a:t>
+            </a:r>
+            <a:r>
+              <a:rPr lang="en-US" dirty="0"/>
+              <a:t>) for input program size </a:t>
+            </a:r>
+            <a:r>
+              <a:rPr lang="en-US" b="1" dirty="0" smtClean="0"/>
+              <a:t>n</a:t>
+            </a:r>
+            <a:r>
+              <a:rPr lang="en-US" dirty="0" smtClean="0"/>
+              <a:t> (</a:t>
+            </a:r>
+            <a:r>
+              <a:rPr lang="en-US" dirty="0"/>
+              <a:t>fully flattened</a:t>
+            </a:r>
+            <a:r>
+              <a:rPr lang="en-US" dirty="0" smtClean="0"/>
+              <a:t>)</a:t>
+            </a:r>
+          </a:p>
+          <a:p>
+            <a:pPr lvl="1"/>
+            <a:r>
+              <a:rPr lang="en-US" dirty="0" smtClean="0"/>
+              <a:t>Full generality: 2</a:t>
+            </a:r>
+            <a:r>
+              <a:rPr lang="en-US" baseline="30000" dirty="0" smtClean="0"/>
+              <a:t>|α|</a:t>
+            </a:r>
+            <a:r>
+              <a:rPr lang="en-US" dirty="0" smtClean="0"/>
+              <a:t> subsets for all function call instances α</a:t>
+            </a:r>
+            <a:r>
+              <a:rPr lang="en-US" baseline="-25000" dirty="0" err="1" smtClean="0"/>
+              <a:t>i</a:t>
+            </a:r>
+            <a:r>
+              <a:rPr lang="en-US" baseline="-25000" dirty="0" smtClean="0"/>
+              <a:t> </a:t>
+            </a:r>
+            <a:r>
+              <a:rPr lang="en-US" dirty="0" smtClean="0"/>
+              <a:t>→ exponential complexity</a:t>
+            </a:r>
+          </a:p>
+          <a:p>
+            <a:pPr lvl="1"/>
+            <a:r>
+              <a:rPr lang="en-US" dirty="0" smtClean="0"/>
+              <a:t>By restricting to contiguous increasing-indexed subsequences → O(|α|</a:t>
+            </a:r>
+            <a:r>
+              <a:rPr lang="en-US" baseline="30000" dirty="0" smtClean="0"/>
+              <a:t>2</a:t>
+            </a:r>
+            <a:r>
+              <a:rPr lang="en-US" dirty="0" smtClean="0"/>
+              <a:t>) to consider </a:t>
+            </a:r>
+            <a:endParaRPr lang="en-US" dirty="0"/>
+          </a:p>
+          <a:p>
+            <a:endParaRPr lang="en-US" dirty="0" smtClean="0"/>
           </a:p>
           <a:p>
             <a:pPr lvl="1"/>
@@ -8269,6 +8721,22 @@
               <a:rPr lang="en-US" sz="1800" dirty="0" smtClean="0"/>
               <a:t> loops, branches, and block speculation, and compensation code </a:t>
             </a:r>
+            <a:endParaRPr lang="en-US" sz="1800" dirty="0" smtClean="0"/>
+          </a:p>
+          <a:p>
+            <a:pPr lvl="1"/>
+            <a:r>
+              <a:rPr lang="en-US" sz="1800" dirty="0" smtClean="0"/>
+              <a:t>Principle of Deferred Measurement: our quantum applications can (and are) optimized to defer intermediate conditional measurement-based branching to the end of functions</a:t>
+            </a:r>
+          </a:p>
+          <a:p>
+            <a:pPr lvl="1"/>
+            <a:r>
+              <a:rPr lang="en-US" sz="1800" dirty="0" smtClean="0"/>
+              <a:t>Avoids much of the complexity considered in other work</a:t>
+            </a:r>
+            <a:endParaRPr lang="en-US" sz="1800" dirty="0" smtClean="0"/>
           </a:p>
           <a:p>
             <a:endParaRPr lang="en-US" sz="2200" dirty="0"/>
@@ -8340,10 +8808,15 @@
             <p:ph idx="1"/>
           </p:nvPr>
         </p:nvSpPr>
-        <p:spPr/>
+        <p:spPr>
+          <a:xfrm>
+            <a:off x="457200" y="1852083"/>
+            <a:ext cx="8229600" cy="4274080"/>
+          </a:xfrm>
+        </p:spPr>
         <p:txBody>
           <a:bodyPr>
-            <a:normAutofit fontScale="77500" lnSpcReduction="20000"/>
+            <a:normAutofit fontScale="62500" lnSpcReduction="20000"/>
           </a:bodyPr>
           <a:lstStyle/>
           <a:p>
@@ -8460,16 +8933,116 @@
             </a:r>
             <a:r>
               <a:rPr lang="en-US" dirty="0" smtClean="0"/>
-              <a:t>in [0,1], weights</a:t>
-            </a:r>
-          </a:p>
-          <a:p>
-            <a:pPr marL="457200" lvl="1" indent="0">
-              <a:buNone/>
-            </a:pPr>
-            <a:r>
-              <a:rPr lang="en-US" dirty="0" smtClean="0"/>
+              <a:t>in </a:t>
+            </a:r>
+            <a:r>
+              <a:rPr lang="en-US" dirty="0" smtClean="0"/>
+              <a:t>[-1,1]: weights allow for </a:t>
+            </a:r>
+            <a:r>
+              <a:rPr lang="en-US" dirty="0" err="1" smtClean="0"/>
+              <a:t>tuneability</a:t>
+            </a:r>
+            <a:endParaRPr lang="en-US" dirty="0" smtClean="0"/>
+          </a:p>
+          <a:p>
+            <a:r>
+              <a:rPr lang="en-US" dirty="0" smtClean="0"/>
+              <a:t>Examples: </a:t>
+            </a:r>
+          </a:p>
+          <a:p>
+            <a:pPr lvl="1"/>
+            <a:r>
+              <a:rPr lang="en-US" dirty="0" smtClean="0"/>
+              <a:t>α</a:t>
+            </a:r>
+            <a:r>
+              <a:rPr lang="en-US" baseline="-25000" dirty="0" smtClean="0"/>
+              <a:t>P </a:t>
+            </a:r>
+            <a:r>
+              <a:rPr lang="en-US" dirty="0" smtClean="0"/>
+              <a:t>= 1, α</a:t>
+            </a:r>
+            <a:r>
+              <a:rPr lang="en-US" baseline="-25000" dirty="0" smtClean="0"/>
+              <a:t>c </a:t>
+            </a:r>
+            <a:r>
+              <a:rPr lang="en-US" dirty="0" smtClean="0"/>
+              <a:t>= 0: selects </a:t>
+            </a:r>
+            <a:r>
+              <a:rPr lang="en-US" b="1" dirty="0" smtClean="0"/>
+              <a:t>X</a:t>
+            </a:r>
+            <a:r>
+              <a:rPr lang="en-US" b="1" baseline="-25000" dirty="0" smtClean="0"/>
+              <a:t>E</a:t>
+            </a:r>
+            <a:r>
+              <a:rPr lang="en-US" b="1" dirty="0" smtClean="0"/>
               <a:t> </a:t>
+            </a:r>
+            <a:r>
+              <a:rPr lang="en-US" dirty="0" smtClean="0"/>
+              <a:t>for full parallelism</a:t>
+            </a:r>
+          </a:p>
+          <a:p>
+            <a:pPr lvl="1"/>
+            <a:r>
+              <a:rPr lang="en-US" dirty="0"/>
+              <a:t>α</a:t>
+            </a:r>
+            <a:r>
+              <a:rPr lang="en-US" baseline="-25000" dirty="0"/>
+              <a:t>P </a:t>
+            </a:r>
+            <a:r>
+              <a:rPr lang="en-US" dirty="0"/>
+              <a:t>= </a:t>
+            </a:r>
+            <a:r>
+              <a:rPr lang="en-US" dirty="0" smtClean="0"/>
+              <a:t>-1</a:t>
+            </a:r>
+            <a:r>
+              <a:rPr lang="en-US" dirty="0"/>
+              <a:t>, α</a:t>
+            </a:r>
+            <a:r>
+              <a:rPr lang="en-US" baseline="-25000" dirty="0"/>
+              <a:t>c </a:t>
+            </a:r>
+            <a:r>
+              <a:rPr lang="en-US" dirty="0"/>
+              <a:t>= </a:t>
+            </a:r>
+            <a:r>
+              <a:rPr lang="en-US" dirty="0" smtClean="0"/>
+              <a:t>1: </a:t>
+            </a:r>
+            <a:r>
+              <a:rPr lang="en-US" dirty="0"/>
+              <a:t>selects </a:t>
+            </a:r>
+            <a:r>
+              <a:rPr lang="en-US" b="1" dirty="0"/>
+              <a:t>X</a:t>
+            </a:r>
+            <a:r>
+              <a:rPr lang="en-US" b="1" baseline="-25000" dirty="0"/>
+              <a:t>E</a:t>
+            </a:r>
+            <a:r>
+              <a:rPr lang="en-US" b="1" dirty="0"/>
+              <a:t> </a:t>
+            </a:r>
+            <a:r>
+              <a:rPr lang="en-US" dirty="0" smtClean="0"/>
+              <a:t>= 0 for no parallelism</a:t>
             </a:r>
             <a:endParaRPr lang="en-US" dirty="0"/>
           </a:p>
